--- a/ch3/ch3-3.pptx
+++ b/ch3/ch3-3.pptx
@@ -142,6 +142,11 @@
       </a:defRPr>
     </a:lvl9pPr>
   </p:defaultTextStyle>
+  <p:extLst>
+    <p:ext uri="{EFAFB233-063F-42B5-8137-9DF3F51BA10A}">
+      <p15:sldGuideLst xmlns:p15="http://schemas.microsoft.com/office/powerpoint/2012/main"/>
+    </p:ext>
+  </p:extLst>
 </p:presentation>
 </file>
 
@@ -3079,7 +3084,7 @@
           <a:p>
             <a:fld id="{EBEB9B0B-24BF-C442-99A2-3224E5B26C5D}" type="datetimeFigureOut">
               <a:rPr kumimoji="1" lang="zh-CN" altLang="en-US" smtClean="0"/>
-              <a:t>2020/4/11</a:t>
+              <a:t>2020/4/24</a:t>
             </a:fld>
             <a:endParaRPr kumimoji="1" lang="zh-CN" altLang="en-US"/>
           </a:p>
@@ -3745,7 +3750,7 @@
           <a:p>
             <a:fld id="{CFE0BC6E-513C-B84C-9F5B-1B23E91D42CD}" type="datetimeFigureOut">
               <a:rPr kumimoji="1" lang="zh-CN" altLang="en-US" smtClean="0"/>
-              <a:t>2020/4/11</a:t>
+              <a:t>2020/4/24</a:t>
             </a:fld>
             <a:endParaRPr kumimoji="1" lang="zh-CN" altLang="en-US"/>
           </a:p>
@@ -3943,7 +3948,7 @@
           <a:p>
             <a:fld id="{CFE0BC6E-513C-B84C-9F5B-1B23E91D42CD}" type="datetimeFigureOut">
               <a:rPr kumimoji="1" lang="zh-CN" altLang="en-US" smtClean="0"/>
-              <a:t>2020/4/11</a:t>
+              <a:t>2020/4/24</a:t>
             </a:fld>
             <a:endParaRPr kumimoji="1" lang="zh-CN" altLang="en-US"/>
           </a:p>
@@ -4151,7 +4156,7 @@
           <a:p>
             <a:fld id="{CFE0BC6E-513C-B84C-9F5B-1B23E91D42CD}" type="datetimeFigureOut">
               <a:rPr kumimoji="1" lang="zh-CN" altLang="en-US" smtClean="0"/>
-              <a:t>2020/4/11</a:t>
+              <a:t>2020/4/24</a:t>
             </a:fld>
             <a:endParaRPr kumimoji="1" lang="zh-CN" altLang="en-US"/>
           </a:p>
@@ -4349,7 +4354,7 @@
           <a:p>
             <a:fld id="{CFE0BC6E-513C-B84C-9F5B-1B23E91D42CD}" type="datetimeFigureOut">
               <a:rPr kumimoji="1" lang="zh-CN" altLang="en-US" smtClean="0"/>
-              <a:t>2020/4/11</a:t>
+              <a:t>2020/4/24</a:t>
             </a:fld>
             <a:endParaRPr kumimoji="1" lang="zh-CN" altLang="en-US"/>
           </a:p>
@@ -4624,7 +4629,7 @@
           <a:p>
             <a:fld id="{CFE0BC6E-513C-B84C-9F5B-1B23E91D42CD}" type="datetimeFigureOut">
               <a:rPr kumimoji="1" lang="zh-CN" altLang="en-US" smtClean="0"/>
-              <a:t>2020/4/11</a:t>
+              <a:t>2020/4/24</a:t>
             </a:fld>
             <a:endParaRPr kumimoji="1" lang="zh-CN" altLang="en-US"/>
           </a:p>
@@ -4889,7 +4894,7 @@
           <a:p>
             <a:fld id="{CFE0BC6E-513C-B84C-9F5B-1B23E91D42CD}" type="datetimeFigureOut">
               <a:rPr kumimoji="1" lang="zh-CN" altLang="en-US" smtClean="0"/>
-              <a:t>2020/4/11</a:t>
+              <a:t>2020/4/24</a:t>
             </a:fld>
             <a:endParaRPr kumimoji="1" lang="zh-CN" altLang="en-US"/>
           </a:p>
@@ -5301,7 +5306,7 @@
           <a:p>
             <a:fld id="{CFE0BC6E-513C-B84C-9F5B-1B23E91D42CD}" type="datetimeFigureOut">
               <a:rPr kumimoji="1" lang="zh-CN" altLang="en-US" smtClean="0"/>
-              <a:t>2020/4/11</a:t>
+              <a:t>2020/4/24</a:t>
             </a:fld>
             <a:endParaRPr kumimoji="1" lang="zh-CN" altLang="en-US"/>
           </a:p>
@@ -5442,7 +5447,7 @@
           <a:p>
             <a:fld id="{CFE0BC6E-513C-B84C-9F5B-1B23E91D42CD}" type="datetimeFigureOut">
               <a:rPr kumimoji="1" lang="zh-CN" altLang="en-US" smtClean="0"/>
-              <a:t>2020/4/11</a:t>
+              <a:t>2020/4/24</a:t>
             </a:fld>
             <a:endParaRPr kumimoji="1" lang="zh-CN" altLang="en-US"/>
           </a:p>
@@ -5555,7 +5560,7 @@
           <a:p>
             <a:fld id="{CFE0BC6E-513C-B84C-9F5B-1B23E91D42CD}" type="datetimeFigureOut">
               <a:rPr kumimoji="1" lang="zh-CN" altLang="en-US" smtClean="0"/>
-              <a:t>2020/4/11</a:t>
+              <a:t>2020/4/24</a:t>
             </a:fld>
             <a:endParaRPr kumimoji="1" lang="zh-CN" altLang="en-US"/>
           </a:p>
@@ -5866,7 +5871,7 @@
           <a:p>
             <a:fld id="{CFE0BC6E-513C-B84C-9F5B-1B23E91D42CD}" type="datetimeFigureOut">
               <a:rPr kumimoji="1" lang="zh-CN" altLang="en-US" smtClean="0"/>
-              <a:t>2020/4/11</a:t>
+              <a:t>2020/4/24</a:t>
             </a:fld>
             <a:endParaRPr kumimoji="1" lang="zh-CN" altLang="en-US"/>
           </a:p>
@@ -6154,7 +6159,7 @@
           <a:p>
             <a:fld id="{CFE0BC6E-513C-B84C-9F5B-1B23E91D42CD}" type="datetimeFigureOut">
               <a:rPr kumimoji="1" lang="zh-CN" altLang="en-US" smtClean="0"/>
-              <a:t>2020/4/11</a:t>
+              <a:t>2020/4/24</a:t>
             </a:fld>
             <a:endParaRPr kumimoji="1" lang="zh-CN" altLang="en-US"/>
           </a:p>
@@ -6395,7 +6400,7 @@
           <a:p>
             <a:fld id="{CFE0BC6E-513C-B84C-9F5B-1B23E91D42CD}" type="datetimeFigureOut">
               <a:rPr kumimoji="1" lang="zh-CN" altLang="en-US" smtClean="0"/>
-              <a:t>2020/4/11</a:t>
+              <a:t>2020/4/24</a:t>
             </a:fld>
             <a:endParaRPr kumimoji="1" lang="zh-CN" altLang="en-US"/>
           </a:p>
@@ -11063,8 +11068,8 @@
               <a:t>字母</a:t>
             </a:r>
             <a:r>
-              <a:rPr lang="en-US" altLang="zh-CN" dirty="0"/>
-              <a:t>S+</a:t>
+              <a:rPr lang="en-US" altLang="zh-CN"/>
+              <a:t>K+</a:t>
             </a:r>
             <a:r>
               <a:rPr lang="zh-CN" altLang="en-US" dirty="0"/>
